--- a/Sesión 3/Ejercicio_BlackBoard.pptx
+++ b/Sesión 3/Ejercicio_BlackBoard.pptx
@@ -8,6 +8,7 @@
     <p:sldId id="256" r:id="rId2"/>
     <p:sldId id="258" r:id="rId3"/>
     <p:sldId id="257" r:id="rId4"/>
+    <p:sldId id="259" r:id="rId5"/>
   </p:sldIdLst>
   <p:sldSz cx="12192000" cy="6858000"/>
   <p:notesSz cx="6858000" cy="9144000"/>
@@ -3479,8 +3480,8 @@
         </p:nvSpPr>
         <p:spPr>
           <a:xfrm>
-            <a:off x="955564" y="838462"/>
-            <a:ext cx="3677396" cy="2585323"/>
+            <a:off x="132080" y="838462"/>
+            <a:ext cx="4500880" cy="2308324"/>
           </a:xfrm>
           <a:prstGeom prst="rect">
             <a:avLst/>
@@ -3505,7 +3506,7 @@
             </a:pPr>
             <a:r>
               <a:rPr lang="es-MX" dirty="0"/>
-              <a:t>Mensajes</a:t>
+              <a:t>Escribir Mensajes</a:t>
             </a:r>
           </a:p>
           <a:p>
@@ -3515,7 +3516,7 @@
             </a:pPr>
             <a:r>
               <a:rPr lang="es-MX" dirty="0"/>
-              <a:t>Imprimir mensajes</a:t>
+              <a:t>Imprimir pizarrón (todos los mensajes)</a:t>
             </a:r>
           </a:p>
           <a:p>
@@ -3567,13 +3568,13 @@
         </p:nvCxnSpPr>
         <p:spPr>
           <a:xfrm rot="5400000" flipH="1" flipV="1">
-            <a:off x="3699513" y="1225872"/>
-            <a:ext cx="510478" cy="2320980"/>
+            <a:off x="3241049" y="1272594"/>
+            <a:ext cx="1015663" cy="2732722"/>
           </a:xfrm>
           <a:prstGeom prst="curvedConnector4">
             <a:avLst>
-              <a:gd name="adj1" fmla="val -44782"/>
-              <a:gd name="adj2" fmla="val 89610"/>
+              <a:gd name="adj1" fmla="val -22507"/>
+              <a:gd name="adj2" fmla="val 91176"/>
             </a:avLst>
           </a:prstGeom>
           <a:ln w="76200">
@@ -4363,6 +4364,89 @@
     <p:extLst>
       <p:ext uri="{BB962C8B-B14F-4D97-AF65-F5344CB8AC3E}">
         <p14:creationId xmlns:p14="http://schemas.microsoft.com/office/powerpoint/2010/main" val="1223556496"/>
+      </p:ext>
+    </p:extLst>
+  </p:cSld>
+  <p:clrMapOvr>
+    <a:masterClrMapping/>
+  </p:clrMapOvr>
+</p:sld>
+</file>
+
+<file path=ppt/slides/slide4.xml><?xml version="1.0" encoding="utf-8"?>
+<p:sld xmlns:a="http://schemas.openxmlformats.org/drawingml/2006/main" xmlns:r="http://schemas.openxmlformats.org/officeDocument/2006/relationships" xmlns:p="http://schemas.openxmlformats.org/presentationml/2006/main">
+  <p:cSld>
+    <p:spTree>
+      <p:nvGrpSpPr>
+        <p:cNvPr id="1" name=""/>
+        <p:cNvGrpSpPr/>
+        <p:nvPr/>
+      </p:nvGrpSpPr>
+      <p:grpSpPr>
+        <a:xfrm>
+          <a:off x="0" y="0"/>
+          <a:ext cx="0" cy="0"/>
+          <a:chOff x="0" y="0"/>
+          <a:chExt cx="0" cy="0"/>
+        </a:xfrm>
+      </p:grpSpPr>
+      <p:sp>
+        <p:nvSpPr>
+          <p:cNvPr id="2" name="Título 1">
+            <a:extLst>
+              <a:ext uri="{FF2B5EF4-FFF2-40B4-BE49-F238E27FC236}">
+                <a16:creationId xmlns:a16="http://schemas.microsoft.com/office/drawing/2014/main" id="{B90102FA-F763-4005-891A-0EAA6043B339}"/>
+              </a:ext>
+            </a:extLst>
+          </p:cNvPr>
+          <p:cNvSpPr>
+            <a:spLocks noGrp="1"/>
+          </p:cNvSpPr>
+          <p:nvPr>
+            <p:ph type="title"/>
+          </p:nvPr>
+        </p:nvSpPr>
+        <p:spPr/>
+        <p:txBody>
+          <a:bodyPr/>
+          <a:lstStyle/>
+          <a:p>
+            <a:r>
+              <a:rPr lang="es-MX" b="1" dirty="0"/>
+              <a:t>Temas aprendidos durante la sesión</a:t>
+            </a:r>
+          </a:p>
+        </p:txBody>
+      </p:sp>
+      <p:sp>
+        <p:nvSpPr>
+          <p:cNvPr id="3" name="Marcador de contenido 2">
+            <a:extLst>
+              <a:ext uri="{FF2B5EF4-FFF2-40B4-BE49-F238E27FC236}">
+                <a16:creationId xmlns:a16="http://schemas.microsoft.com/office/drawing/2014/main" id="{37EF9F5B-5C58-495C-AADC-CAFE48CAFB7D}"/>
+              </a:ext>
+            </a:extLst>
+          </p:cNvPr>
+          <p:cNvSpPr>
+            <a:spLocks noGrp="1"/>
+          </p:cNvSpPr>
+          <p:nvPr>
+            <p:ph idx="1"/>
+          </p:nvPr>
+        </p:nvSpPr>
+        <p:spPr/>
+        <p:txBody>
+          <a:bodyPr/>
+          <a:lstStyle/>
+          <a:p>
+            <a:endParaRPr lang="es-MX" dirty="0"/>
+          </a:p>
+        </p:txBody>
+      </p:sp>
+    </p:spTree>
+    <p:extLst>
+      <p:ext uri="{BB962C8B-B14F-4D97-AF65-F5344CB8AC3E}">
+        <p14:creationId xmlns:p14="http://schemas.microsoft.com/office/powerpoint/2010/main" val="1248282811"/>
       </p:ext>
     </p:extLst>
   </p:cSld>

--- a/Sesión 3/Ejercicio_BlackBoard.pptx
+++ b/Sesión 3/Ejercicio_BlackBoard.pptx
@@ -9,6 +9,7 @@
     <p:sldId id="258" r:id="rId3"/>
     <p:sldId id="257" r:id="rId4"/>
     <p:sldId id="259" r:id="rId5"/>
+    <p:sldId id="260" r:id="rId6"/>
   </p:sldIdLst>
   <p:sldSz cx="12192000" cy="6858000"/>
   <p:notesSz cx="6858000" cy="9144000"/>
@@ -107,6 +108,11 @@
       </a:defRPr>
     </a:lvl9pPr>
   </p:defaultTextStyle>
+  <p:extLst>
+    <p:ext uri="{EFAFB233-063F-42B5-8137-9DF3F51BA10A}">
+      <p15:sldGuideLst xmlns:p15="http://schemas.microsoft.com/office/powerpoint/2012/main"/>
+    </p:ext>
+  </p:extLst>
 </p:presentation>
 </file>
 
@@ -4436,10 +4442,104 @@
         </p:nvSpPr>
         <p:spPr/>
         <p:txBody>
-          <a:bodyPr/>
-          <a:lstStyle/>
-          <a:p>
+          <a:bodyPr>
+            <a:normAutofit fontScale="92500"/>
+          </a:bodyPr>
+          <a:lstStyle/>
+          <a:p>
+            <a:r>
+              <a:rPr lang="es-MX" dirty="0"/>
+              <a:t>Destructor</a:t>
+            </a:r>
+          </a:p>
+          <a:p>
+            <a:r>
+              <a:rPr lang="es-MX" dirty="0"/>
+              <a:t>Constructor</a:t>
+            </a:r>
+          </a:p>
+          <a:p>
+            <a:r>
+              <a:rPr lang="es-MX" dirty="0" err="1"/>
+              <a:t>Header</a:t>
+            </a:r>
+            <a:r>
+              <a:rPr lang="es-MX" dirty="0"/>
+              <a:t>/</a:t>
+            </a:r>
+            <a:r>
+              <a:rPr lang="es-MX" dirty="0" err="1"/>
+              <a:t>Source</a:t>
+            </a:r>
+            <a:r>
+              <a:rPr lang="es-MX" dirty="0"/>
+              <a:t> File</a:t>
+            </a:r>
+          </a:p>
+          <a:p>
+            <a:r>
+              <a:rPr lang="es-MX" dirty="0"/>
+              <a:t>Clases</a:t>
+            </a:r>
+          </a:p>
+          <a:p>
+            <a:r>
+              <a:rPr lang="es-MX" dirty="0"/>
+              <a:t>Objetos</a:t>
+            </a:r>
+          </a:p>
+          <a:p>
+            <a:r>
+              <a:rPr lang="es-MX" dirty="0"/>
+              <a:t>Setter/</a:t>
+            </a:r>
+            <a:r>
+              <a:rPr lang="es-MX" dirty="0" err="1"/>
+              <a:t>Getters</a:t>
+            </a:r>
             <a:endParaRPr lang="es-MX" dirty="0"/>
+          </a:p>
+          <a:p>
+            <a:r>
+              <a:rPr lang="es-MX" dirty="0"/>
+              <a:t>Pointers</a:t>
+            </a:r>
+          </a:p>
+          <a:p>
+            <a:r>
+              <a:rPr lang="es-MX" dirty="0">
+                <a:solidFill>
+                  <a:srgbClr val="FF0000"/>
+                </a:solidFill>
+              </a:rPr>
+              <a:t>Circular </a:t>
+            </a:r>
+            <a:r>
+              <a:rPr lang="es-MX" dirty="0" err="1">
+                <a:solidFill>
+                  <a:srgbClr val="FF0000"/>
+                </a:solidFill>
+              </a:rPr>
+              <a:t>References</a:t>
+            </a:r>
+            <a:r>
+              <a:rPr lang="es-MX" dirty="0">
+                <a:solidFill>
+                  <a:srgbClr val="FF0000"/>
+                </a:solidFill>
+              </a:rPr>
+              <a:t> (terminar de ver la siguiente sesión)</a:t>
+            </a:r>
+          </a:p>
+          <a:p>
+            <a:r>
+              <a:rPr lang="es-MX" dirty="0">
+                <a:solidFill>
+                  <a:srgbClr val="FF0000"/>
+                </a:solidFill>
+              </a:rPr>
+              <a:t>Relaciones entre clases (asociación) (terminar de ver la siguiente sesión)</a:t>
+            </a:r>
           </a:p>
         </p:txBody>
       </p:sp>
@@ -4447,6 +4547,36 @@
     <p:extLst>
       <p:ext uri="{BB962C8B-B14F-4D97-AF65-F5344CB8AC3E}">
         <p14:creationId xmlns:p14="http://schemas.microsoft.com/office/powerpoint/2010/main" val="1248282811"/>
+      </p:ext>
+    </p:extLst>
+  </p:cSld>
+  <p:clrMapOvr>
+    <a:masterClrMapping/>
+  </p:clrMapOvr>
+</p:sld>
+</file>
+
+<file path=ppt/slides/slide5.xml><?xml version="1.0" encoding="utf-8"?>
+<p:sld xmlns:a="http://schemas.openxmlformats.org/drawingml/2006/main" xmlns:r="http://schemas.openxmlformats.org/officeDocument/2006/relationships" xmlns:p="http://schemas.openxmlformats.org/presentationml/2006/main">
+  <p:cSld>
+    <p:spTree>
+      <p:nvGrpSpPr>
+        <p:cNvPr id="1" name=""/>
+        <p:cNvGrpSpPr/>
+        <p:nvPr/>
+      </p:nvGrpSpPr>
+      <p:grpSpPr>
+        <a:xfrm>
+          <a:off x="0" y="0"/>
+          <a:ext cx="0" cy="0"/>
+          <a:chOff x="0" y="0"/>
+          <a:chExt cx="0" cy="0"/>
+        </a:xfrm>
+      </p:grpSpPr>
+    </p:spTree>
+    <p:extLst>
+      <p:ext uri="{BB962C8B-B14F-4D97-AF65-F5344CB8AC3E}">
+        <p14:creationId xmlns:p14="http://schemas.microsoft.com/office/powerpoint/2010/main" val="651663467"/>
       </p:ext>
     </p:extLst>
   </p:cSld>

--- a/Sesión 3/Ejercicio_BlackBoard.pptx
+++ b/Sesión 3/Ejercicio_BlackBoard.pptx
@@ -9,7 +9,6 @@
     <p:sldId id="258" r:id="rId3"/>
     <p:sldId id="257" r:id="rId4"/>
     <p:sldId id="259" r:id="rId5"/>
-    <p:sldId id="260" r:id="rId6"/>
   </p:sldIdLst>
   <p:sldSz cx="12192000" cy="6858000"/>
   <p:notesSz cx="6858000" cy="9144000"/>
@@ -4556,36 +4555,6 @@
 </p:sld>
 </file>
 
-<file path=ppt/slides/slide5.xml><?xml version="1.0" encoding="utf-8"?>
-<p:sld xmlns:a="http://schemas.openxmlformats.org/drawingml/2006/main" xmlns:r="http://schemas.openxmlformats.org/officeDocument/2006/relationships" xmlns:p="http://schemas.openxmlformats.org/presentationml/2006/main">
-  <p:cSld>
-    <p:spTree>
-      <p:nvGrpSpPr>
-        <p:cNvPr id="1" name=""/>
-        <p:cNvGrpSpPr/>
-        <p:nvPr/>
-      </p:nvGrpSpPr>
-      <p:grpSpPr>
-        <a:xfrm>
-          <a:off x="0" y="0"/>
-          <a:ext cx="0" cy="0"/>
-          <a:chOff x="0" y="0"/>
-          <a:chExt cx="0" cy="0"/>
-        </a:xfrm>
-      </p:grpSpPr>
-    </p:spTree>
-    <p:extLst>
-      <p:ext uri="{BB962C8B-B14F-4D97-AF65-F5344CB8AC3E}">
-        <p14:creationId xmlns:p14="http://schemas.microsoft.com/office/powerpoint/2010/main" val="651663467"/>
-      </p:ext>
-    </p:extLst>
-  </p:cSld>
-  <p:clrMapOvr>
-    <a:masterClrMapping/>
-  </p:clrMapOvr>
-</p:sld>
-</file>
-
 <file path=ppt/theme/theme1.xml><?xml version="1.0" encoding="utf-8"?>
 <a:theme xmlns:a="http://schemas.openxmlformats.org/drawingml/2006/main" name="Tema de Office">
   <a:themeElements>
